--- a/presentations/2021-02 Webinars/2020-02 Applied FHIR for Designers.pptx
+++ b/presentations/2021-02 Webinars/2020-02 Applied FHIR for Designers.pptx
@@ -9136,7 +9136,7 @@
             <a:fld id="{1BCE7D1B-E2D6-42EC-A46F-6B8D8AB722EA}" type="datetime1">
               <a:rPr lang="en-US" altLang="en-US"/>
               <a:pPr/>
-              <a:t>2/13/2021</a:t>
+              <a:t>4/4/2022</a:t>
             </a:fld>
             <a:endParaRPr lang="en-US" altLang="en-US"/>
           </a:p>
@@ -9367,7 +9367,7 @@
             <a:fld id="{60D4D74E-7671-46E5-9A5B-14F31A4C0D2E}" type="datetime1">
               <a:rPr lang="en-US" altLang="en-US"/>
               <a:pPr/>
-              <a:t>2/13/2021</a:t>
+              <a:t>4/4/2022</a:t>
             </a:fld>
             <a:endParaRPr lang="en-US" altLang="en-US"/>
           </a:p>
@@ -14219,7 +14219,7 @@
             <a:fld id="{1BF28DD7-1B91-4710-80F7-7D2604E14C5A}" type="datetime1">
               <a:rPr lang="en-US" altLang="en-US" smtClean="0"/>
               <a:pPr/>
-              <a:t>2/13/2021</a:t>
+              <a:t>4/4/2022</a:t>
             </a:fld>
             <a:endParaRPr lang="en-US" altLang="en-US" dirty="0"/>
           </a:p>
@@ -21568,7 +21568,7 @@
             <a:fld id="{37B9CC16-F074-410C-B6E0-279B2BD437D8}" type="datetime1">
               <a:rPr lang="en-US" altLang="en-US"/>
               <a:pPr/>
-              <a:t>2/13/2021</a:t>
+              <a:t>4/4/2022</a:t>
             </a:fld>
             <a:endParaRPr lang="en-US" altLang="en-US"/>
           </a:p>
@@ -35382,7 +35382,15 @@
             <a:pPr lvl="1"/>
             <a:r>
               <a:rPr lang="en-US" sz="1800" dirty="0"/>
-              <a:t>Understand the different architectural approaches to using FHIR - and where to go to help decide the best approach for a given use-case (includes SMART, CDS Hooks, etc.)</a:t>
+              <a:t>List the different architectural approaches to using FHIR - and demonstrate </a:t>
+            </a:r>
+            <a:r>
+              <a:rPr lang="en-US" sz="1800"/>
+              <a:t>how to decide </a:t>
+            </a:r>
+            <a:r>
+              <a:rPr lang="en-US" sz="1800" dirty="0"/>
+              <a:t>the best approach for a given use-case (includes SMART, CDS Hooks, etc.)</a:t>
             </a:r>
           </a:p>
           <a:p>
